--- a/Xamarin and Unity/Awesome games with .NET, Visual Studio 2019 and Unity 2019.pptx
+++ b/Xamarin and Unity/Awesome games with .NET, Visual Studio 2019 and Unity 2019.pptx
@@ -152,6 +152,9 @@
     <p:ext uri="{EFAFB233-063F-42B5-8137-9DF3F51BA10A}">
       <p15:sldGuideLst xmlns:p15="http://schemas.microsoft.com/office/powerpoint/2012/main"/>
     </p:ext>
+    <p:ext uri="{2D200454-40CA-4A62-9FC3-DE9A4176ACB9}">
+      <p15:notesGuideLst xmlns:p15="http://schemas.microsoft.com/office/powerpoint/2012/main"/>
+    </p:ext>
   </p:extLst>
 </p:presentation>
 </file>
@@ -246,7 +249,7 @@
           <a:p>
             <a:fld id="{18438622-0837-4E9E-A16C-0B0206CE676E}" type="datetimeFigureOut">
               <a:rPr lang="en-US" smtClean="0"/>
-              <a:t>10/29/2019</a:t>
+              <a:t>10/30/2019</a:t>
             </a:fld>
             <a:endParaRPr lang="en-US"/>
           </a:p>
@@ -10375,9 +10378,10 @@
           </a:p>
           <a:p>
             <a:r>
-              <a:rPr lang="en-US" dirty="0"/>
-              <a:t>.NET Foundation Executive Director</a:t>
-            </a:r>
+              <a:rPr lang="en-US"/>
+              <a:t>Executive Director, .NET Foundation</a:t>
+            </a:r>
+            <a:endParaRPr lang="en-US" dirty="0"/>
           </a:p>
           <a:p>
             <a:r>
